--- a/Kick-off.pptx
+++ b/Kick-off.pptx
@@ -4,11 +4,18 @@
   <p:sldMasterIdLst>
     <p:sldMasterId id="2147483648" r:id="rId1"/>
   </p:sldMasterIdLst>
+  <p:notesMasterIdLst>
+    <p:notesMasterId r:id="rId10"/>
+  </p:notesMasterIdLst>
   <p:sldIdLst>
     <p:sldId id="256" r:id="rId2"/>
     <p:sldId id="257" r:id="rId3"/>
     <p:sldId id="259" r:id="rId4"/>
     <p:sldId id="258" r:id="rId5"/>
+    <p:sldId id="260" r:id="rId6"/>
+    <p:sldId id="262" r:id="rId7"/>
+    <p:sldId id="261" r:id="rId8"/>
+    <p:sldId id="263" r:id="rId9"/>
   </p:sldIdLst>
   <p:sldSz cx="12192000" cy="6858000"/>
   <p:notesSz cx="6858000" cy="9144000"/>
@@ -115,6 +122,439 @@
 </p:presentation>
 </file>
 
+<file path=ppt/notesMasters/notesMaster1.xml><?xml version="1.0" encoding="utf-8"?>
+<p:notesMaster xmlns:a="http://schemas.openxmlformats.org/drawingml/2006/main" xmlns:r="http://schemas.openxmlformats.org/officeDocument/2006/relationships" xmlns:p="http://schemas.openxmlformats.org/presentationml/2006/main">
+  <p:cSld>
+    <p:bg>
+      <p:bgRef idx="1001">
+        <a:schemeClr val="bg1"/>
+      </p:bgRef>
+    </p:bg>
+    <p:spTree>
+      <p:nvGrpSpPr>
+        <p:cNvPr id="1" name=""/>
+        <p:cNvGrpSpPr/>
+        <p:nvPr/>
+      </p:nvGrpSpPr>
+      <p:grpSpPr>
+        <a:xfrm>
+          <a:off x="0" y="0"/>
+          <a:ext cx="0" cy="0"/>
+          <a:chOff x="0" y="0"/>
+          <a:chExt cx="0" cy="0"/>
+        </a:xfrm>
+      </p:grpSpPr>
+      <p:sp>
+        <p:nvSpPr>
+          <p:cNvPr id="2" name="Header Placeholder 1"/>
+          <p:cNvSpPr>
+            <a:spLocks noGrp="1"/>
+          </p:cNvSpPr>
+          <p:nvPr>
+            <p:ph type="hdr" sz="quarter"/>
+          </p:nvPr>
+        </p:nvSpPr>
+        <p:spPr>
+          <a:xfrm>
+            <a:off x="0" y="0"/>
+            <a:ext cx="2971800" cy="458788"/>
+          </a:xfrm>
+          <a:prstGeom prst="rect">
+            <a:avLst/>
+          </a:prstGeom>
+        </p:spPr>
+        <p:txBody>
+          <a:bodyPr vert="horz" lIns="91440" tIns="45720" rIns="91440" bIns="45720" rtlCol="0"/>
+          <a:lstStyle>
+            <a:lvl1pPr algn="l">
+              <a:defRPr sz="1200"/>
+            </a:lvl1pPr>
+          </a:lstStyle>
+          <a:p>
+            <a:endParaRPr lang="en-US"/>
+          </a:p>
+        </p:txBody>
+      </p:sp>
+      <p:sp>
+        <p:nvSpPr>
+          <p:cNvPr id="3" name="Date Placeholder 2"/>
+          <p:cNvSpPr>
+            <a:spLocks noGrp="1"/>
+          </p:cNvSpPr>
+          <p:nvPr>
+            <p:ph type="dt" idx="1"/>
+          </p:nvPr>
+        </p:nvSpPr>
+        <p:spPr>
+          <a:xfrm>
+            <a:off x="3884613" y="0"/>
+            <a:ext cx="2971800" cy="458788"/>
+          </a:xfrm>
+          <a:prstGeom prst="rect">
+            <a:avLst/>
+          </a:prstGeom>
+        </p:spPr>
+        <p:txBody>
+          <a:bodyPr vert="horz" lIns="91440" tIns="45720" rIns="91440" bIns="45720" rtlCol="0"/>
+          <a:lstStyle>
+            <a:lvl1pPr algn="r">
+              <a:defRPr sz="1200"/>
+            </a:lvl1pPr>
+          </a:lstStyle>
+          <a:p>
+            <a:fld id="{DACB9D27-1C66-4FD0-9437-90DE40B98993}" type="datetimeFigureOut">
+              <a:rPr lang="en-US" smtClean="0"/>
+              <a:t>2020-01-13</a:t>
+            </a:fld>
+            <a:endParaRPr lang="en-US"/>
+          </a:p>
+        </p:txBody>
+      </p:sp>
+      <p:sp>
+        <p:nvSpPr>
+          <p:cNvPr id="4" name="Slide Image Placeholder 3"/>
+          <p:cNvSpPr>
+            <a:spLocks noGrp="1" noRot="1" noChangeAspect="1"/>
+          </p:cNvSpPr>
+          <p:nvPr>
+            <p:ph type="sldImg" idx="2"/>
+          </p:nvPr>
+        </p:nvSpPr>
+        <p:spPr>
+          <a:xfrm>
+            <a:off x="685800" y="1143000"/>
+            <a:ext cx="5486400" cy="3086100"/>
+          </a:xfrm>
+          <a:prstGeom prst="rect">
+            <a:avLst/>
+          </a:prstGeom>
+          <a:noFill/>
+          <a:ln w="12700">
+            <a:solidFill>
+              <a:prstClr val="black"/>
+            </a:solidFill>
+          </a:ln>
+        </p:spPr>
+        <p:txBody>
+          <a:bodyPr vert="horz" lIns="91440" tIns="45720" rIns="91440" bIns="45720" rtlCol="0" anchor="ctr"/>
+          <a:lstStyle/>
+          <a:p>
+            <a:endParaRPr lang="en-US"/>
+          </a:p>
+        </p:txBody>
+      </p:sp>
+      <p:sp>
+        <p:nvSpPr>
+          <p:cNvPr id="5" name="Notes Placeholder 4"/>
+          <p:cNvSpPr>
+            <a:spLocks noGrp="1"/>
+          </p:cNvSpPr>
+          <p:nvPr>
+            <p:ph type="body" sz="quarter" idx="3"/>
+          </p:nvPr>
+        </p:nvSpPr>
+        <p:spPr>
+          <a:xfrm>
+            <a:off x="685800" y="4400550"/>
+            <a:ext cx="5486400" cy="3600450"/>
+          </a:xfrm>
+          <a:prstGeom prst="rect">
+            <a:avLst/>
+          </a:prstGeom>
+        </p:spPr>
+        <p:txBody>
+          <a:bodyPr vert="horz" lIns="91440" tIns="45720" rIns="91440" bIns="45720" rtlCol="0"/>
+          <a:lstStyle/>
+          <a:p>
+            <a:pPr lvl="0"/>
+            <a:r>
+              <a:rPr lang="en-US"/>
+              <a:t>Edit Master text styles</a:t>
+            </a:r>
+          </a:p>
+          <a:p>
+            <a:pPr lvl="1"/>
+            <a:r>
+              <a:rPr lang="en-US"/>
+              <a:t>Second level</a:t>
+            </a:r>
+          </a:p>
+          <a:p>
+            <a:pPr lvl="2"/>
+            <a:r>
+              <a:rPr lang="en-US"/>
+              <a:t>Third level</a:t>
+            </a:r>
+          </a:p>
+          <a:p>
+            <a:pPr lvl="3"/>
+            <a:r>
+              <a:rPr lang="en-US"/>
+              <a:t>Fourth level</a:t>
+            </a:r>
+          </a:p>
+          <a:p>
+            <a:pPr lvl="4"/>
+            <a:r>
+              <a:rPr lang="en-US"/>
+              <a:t>Fifth level</a:t>
+            </a:r>
+          </a:p>
+        </p:txBody>
+      </p:sp>
+      <p:sp>
+        <p:nvSpPr>
+          <p:cNvPr id="6" name="Footer Placeholder 5"/>
+          <p:cNvSpPr>
+            <a:spLocks noGrp="1"/>
+          </p:cNvSpPr>
+          <p:nvPr>
+            <p:ph type="ftr" sz="quarter" idx="4"/>
+          </p:nvPr>
+        </p:nvSpPr>
+        <p:spPr>
+          <a:xfrm>
+            <a:off x="0" y="8685213"/>
+            <a:ext cx="2971800" cy="458787"/>
+          </a:xfrm>
+          <a:prstGeom prst="rect">
+            <a:avLst/>
+          </a:prstGeom>
+        </p:spPr>
+        <p:txBody>
+          <a:bodyPr vert="horz" lIns="91440" tIns="45720" rIns="91440" bIns="45720" rtlCol="0" anchor="b"/>
+          <a:lstStyle>
+            <a:lvl1pPr algn="l">
+              <a:defRPr sz="1200"/>
+            </a:lvl1pPr>
+          </a:lstStyle>
+          <a:p>
+            <a:endParaRPr lang="en-US"/>
+          </a:p>
+        </p:txBody>
+      </p:sp>
+      <p:sp>
+        <p:nvSpPr>
+          <p:cNvPr id="7" name="Slide Number Placeholder 6"/>
+          <p:cNvSpPr>
+            <a:spLocks noGrp="1"/>
+          </p:cNvSpPr>
+          <p:nvPr>
+            <p:ph type="sldNum" sz="quarter" idx="5"/>
+          </p:nvPr>
+        </p:nvSpPr>
+        <p:spPr>
+          <a:xfrm>
+            <a:off x="3884613" y="8685213"/>
+            <a:ext cx="2971800" cy="458787"/>
+          </a:xfrm>
+          <a:prstGeom prst="rect">
+            <a:avLst/>
+          </a:prstGeom>
+        </p:spPr>
+        <p:txBody>
+          <a:bodyPr vert="horz" lIns="91440" tIns="45720" rIns="91440" bIns="45720" rtlCol="0" anchor="b"/>
+          <a:lstStyle>
+            <a:lvl1pPr algn="r">
+              <a:defRPr sz="1200"/>
+            </a:lvl1pPr>
+          </a:lstStyle>
+          <a:p>
+            <a:fld id="{38FC91A6-C849-4827-AAF6-BB332ECAE99B}" type="slidenum">
+              <a:rPr lang="en-US" smtClean="0"/>
+              <a:t>‹#›</a:t>
+            </a:fld>
+            <a:endParaRPr lang="en-US"/>
+          </a:p>
+        </p:txBody>
+      </p:sp>
+    </p:spTree>
+    <p:extLst>
+      <p:ext uri="{BB962C8B-B14F-4D97-AF65-F5344CB8AC3E}">
+        <p14:creationId xmlns:p14="http://schemas.microsoft.com/office/powerpoint/2010/main" val="2761832135"/>
+      </p:ext>
+    </p:extLst>
+  </p:cSld>
+  <p:clrMap bg1="lt1" tx1="dk1" bg2="lt2" tx2="dk2" accent1="accent1" accent2="accent2" accent3="accent3" accent4="accent4" accent5="accent5" accent6="accent6" hlink="hlink" folHlink="folHlink"/>
+  <p:notesStyle>
+    <a:lvl1pPr marL="0" algn="l" defTabSz="914400" rtl="0" eaLnBrk="1" latinLnBrk="0" hangingPunct="1">
+      <a:defRPr sz="1200" kern="1200">
+        <a:solidFill>
+          <a:schemeClr val="tx1"/>
+        </a:solidFill>
+        <a:latin typeface="+mn-lt"/>
+        <a:ea typeface="+mn-ea"/>
+        <a:cs typeface="+mn-cs"/>
+      </a:defRPr>
+    </a:lvl1pPr>
+    <a:lvl2pPr marL="457200" algn="l" defTabSz="914400" rtl="0" eaLnBrk="1" latinLnBrk="0" hangingPunct="1">
+      <a:defRPr sz="1200" kern="1200">
+        <a:solidFill>
+          <a:schemeClr val="tx1"/>
+        </a:solidFill>
+        <a:latin typeface="+mn-lt"/>
+        <a:ea typeface="+mn-ea"/>
+        <a:cs typeface="+mn-cs"/>
+      </a:defRPr>
+    </a:lvl2pPr>
+    <a:lvl3pPr marL="914400" algn="l" defTabSz="914400" rtl="0" eaLnBrk="1" latinLnBrk="0" hangingPunct="1">
+      <a:defRPr sz="1200" kern="1200">
+        <a:solidFill>
+          <a:schemeClr val="tx1"/>
+        </a:solidFill>
+        <a:latin typeface="+mn-lt"/>
+        <a:ea typeface="+mn-ea"/>
+        <a:cs typeface="+mn-cs"/>
+      </a:defRPr>
+    </a:lvl3pPr>
+    <a:lvl4pPr marL="1371600" algn="l" defTabSz="914400" rtl="0" eaLnBrk="1" latinLnBrk="0" hangingPunct="1">
+      <a:defRPr sz="1200" kern="1200">
+        <a:solidFill>
+          <a:schemeClr val="tx1"/>
+        </a:solidFill>
+        <a:latin typeface="+mn-lt"/>
+        <a:ea typeface="+mn-ea"/>
+        <a:cs typeface="+mn-cs"/>
+      </a:defRPr>
+    </a:lvl4pPr>
+    <a:lvl5pPr marL="1828800" algn="l" defTabSz="914400" rtl="0" eaLnBrk="1" latinLnBrk="0" hangingPunct="1">
+      <a:defRPr sz="1200" kern="1200">
+        <a:solidFill>
+          <a:schemeClr val="tx1"/>
+        </a:solidFill>
+        <a:latin typeface="+mn-lt"/>
+        <a:ea typeface="+mn-ea"/>
+        <a:cs typeface="+mn-cs"/>
+      </a:defRPr>
+    </a:lvl5pPr>
+    <a:lvl6pPr marL="2286000" algn="l" defTabSz="914400" rtl="0" eaLnBrk="1" latinLnBrk="0" hangingPunct="1">
+      <a:defRPr sz="1200" kern="1200">
+        <a:solidFill>
+          <a:schemeClr val="tx1"/>
+        </a:solidFill>
+        <a:latin typeface="+mn-lt"/>
+        <a:ea typeface="+mn-ea"/>
+        <a:cs typeface="+mn-cs"/>
+      </a:defRPr>
+    </a:lvl6pPr>
+    <a:lvl7pPr marL="2743200" algn="l" defTabSz="914400" rtl="0" eaLnBrk="1" latinLnBrk="0" hangingPunct="1">
+      <a:defRPr sz="1200" kern="1200">
+        <a:solidFill>
+          <a:schemeClr val="tx1"/>
+        </a:solidFill>
+        <a:latin typeface="+mn-lt"/>
+        <a:ea typeface="+mn-ea"/>
+        <a:cs typeface="+mn-cs"/>
+      </a:defRPr>
+    </a:lvl7pPr>
+    <a:lvl8pPr marL="3200400" algn="l" defTabSz="914400" rtl="0" eaLnBrk="1" latinLnBrk="0" hangingPunct="1">
+      <a:defRPr sz="1200" kern="1200">
+        <a:solidFill>
+          <a:schemeClr val="tx1"/>
+        </a:solidFill>
+        <a:latin typeface="+mn-lt"/>
+        <a:ea typeface="+mn-ea"/>
+        <a:cs typeface="+mn-cs"/>
+      </a:defRPr>
+    </a:lvl8pPr>
+    <a:lvl9pPr marL="3657600" algn="l" defTabSz="914400" rtl="0" eaLnBrk="1" latinLnBrk="0" hangingPunct="1">
+      <a:defRPr sz="1200" kern="1200">
+        <a:solidFill>
+          <a:schemeClr val="tx1"/>
+        </a:solidFill>
+        <a:latin typeface="+mn-lt"/>
+        <a:ea typeface="+mn-ea"/>
+        <a:cs typeface="+mn-cs"/>
+      </a:defRPr>
+    </a:lvl9pPr>
+  </p:notesStyle>
+</p:notesMaster>
+</file>
+
+<file path=ppt/notesSlides/notesSlide1.xml><?xml version="1.0" encoding="utf-8"?>
+<p:notes xmlns:a="http://schemas.openxmlformats.org/drawingml/2006/main" xmlns:r="http://schemas.openxmlformats.org/officeDocument/2006/relationships" xmlns:p="http://schemas.openxmlformats.org/presentationml/2006/main">
+  <p:cSld>
+    <p:spTree>
+      <p:nvGrpSpPr>
+        <p:cNvPr id="1" name=""/>
+        <p:cNvGrpSpPr/>
+        <p:nvPr/>
+      </p:nvGrpSpPr>
+      <p:grpSpPr>
+        <a:xfrm>
+          <a:off x="0" y="0"/>
+          <a:ext cx="0" cy="0"/>
+          <a:chOff x="0" y="0"/>
+          <a:chExt cx="0" cy="0"/>
+        </a:xfrm>
+      </p:grpSpPr>
+      <p:sp>
+        <p:nvSpPr>
+          <p:cNvPr id="2" name="Slide Image Placeholder 1"/>
+          <p:cNvSpPr>
+            <a:spLocks noGrp="1" noRot="1" noChangeAspect="1"/>
+          </p:cNvSpPr>
+          <p:nvPr>
+            <p:ph type="sldImg"/>
+          </p:nvPr>
+        </p:nvSpPr>
+        <p:spPr/>
+      </p:sp>
+      <p:sp>
+        <p:nvSpPr>
+          <p:cNvPr id="3" name="Notes Placeholder 2"/>
+          <p:cNvSpPr>
+            <a:spLocks noGrp="1"/>
+          </p:cNvSpPr>
+          <p:nvPr>
+            <p:ph type="body" idx="1"/>
+          </p:nvPr>
+        </p:nvSpPr>
+        <p:spPr/>
+        <p:txBody>
+          <a:bodyPr/>
+          <a:lstStyle/>
+          <a:p>
+            <a:endParaRPr lang="en-US" dirty="0"/>
+          </a:p>
+        </p:txBody>
+      </p:sp>
+      <p:sp>
+        <p:nvSpPr>
+          <p:cNvPr id="4" name="Slide Number Placeholder 3"/>
+          <p:cNvSpPr>
+            <a:spLocks noGrp="1"/>
+          </p:cNvSpPr>
+          <p:nvPr>
+            <p:ph type="sldNum" sz="quarter" idx="5"/>
+          </p:nvPr>
+        </p:nvSpPr>
+        <p:spPr/>
+        <p:txBody>
+          <a:bodyPr/>
+          <a:lstStyle/>
+          <a:p>
+            <a:fld id="{38FC91A6-C849-4827-AAF6-BB332ECAE99B}" type="slidenum">
+              <a:rPr lang="en-US" smtClean="0"/>
+              <a:t>4</a:t>
+            </a:fld>
+            <a:endParaRPr lang="en-US"/>
+          </a:p>
+        </p:txBody>
+      </p:sp>
+    </p:spTree>
+    <p:extLst>
+      <p:ext uri="{BB962C8B-B14F-4D97-AF65-F5344CB8AC3E}">
+        <p14:creationId xmlns:p14="http://schemas.microsoft.com/office/powerpoint/2010/main" val="1049341589"/>
+      </p:ext>
+    </p:extLst>
+  </p:cSld>
+  <p:clrMapOvr>
+    <a:masterClrMapping/>
+  </p:clrMapOvr>
+</p:notes>
+</file>
+
 <file path=ppt/slideLayouts/slideLayout1.xml><?xml version="1.0" encoding="utf-8"?>
 <p:sldLayout xmlns:a="http://schemas.openxmlformats.org/drawingml/2006/main" xmlns:r="http://schemas.openxmlformats.org/officeDocument/2006/relationships" xmlns:p="http://schemas.openxmlformats.org/presentationml/2006/main" type="title" preserve="1">
   <p:cSld name="Title Slide">
@@ -262,7 +702,7 @@
           <a:p>
             <a:fld id="{BE6D9612-3471-AB4D-8B87-F4604D7407B4}" type="datetimeFigureOut">
               <a:rPr lang="en-US"/>
-              <a:t>2020-01-10</a:t>
+              <a:t>2020-01-13</a:t>
             </a:fld>
             <a:endParaRPr lang="en-US"/>
           </a:p>
@@ -460,7 +900,7 @@
           <a:p>
             <a:fld id="{BE6D9612-3471-AB4D-8B87-F4604D7407B4}" type="datetimeFigureOut">
               <a:rPr lang="en-US"/>
-              <a:t>2020-01-10</a:t>
+              <a:t>2020-01-13</a:t>
             </a:fld>
             <a:endParaRPr lang="en-US"/>
           </a:p>
@@ -668,7 +1108,7 @@
           <a:p>
             <a:fld id="{BE6D9612-3471-AB4D-8B87-F4604D7407B4}" type="datetimeFigureOut">
               <a:rPr lang="en-US"/>
-              <a:t>2020-01-10</a:t>
+              <a:t>2020-01-13</a:t>
             </a:fld>
             <a:endParaRPr lang="en-US"/>
           </a:p>
@@ -866,7 +1306,7 @@
           <a:p>
             <a:fld id="{BE6D9612-3471-AB4D-8B87-F4604D7407B4}" type="datetimeFigureOut">
               <a:rPr lang="en-US"/>
-              <a:t>2020-01-10</a:t>
+              <a:t>2020-01-13</a:t>
             </a:fld>
             <a:endParaRPr lang="en-US"/>
           </a:p>
@@ -1141,7 +1581,7 @@
           <a:p>
             <a:fld id="{BE6D9612-3471-AB4D-8B87-F4604D7407B4}" type="datetimeFigureOut">
               <a:rPr lang="en-US"/>
-              <a:t>2020-01-10</a:t>
+              <a:t>2020-01-13</a:t>
             </a:fld>
             <a:endParaRPr lang="en-US"/>
           </a:p>
@@ -1406,7 +1846,7 @@
           <a:p>
             <a:fld id="{BE6D9612-3471-AB4D-8B87-F4604D7407B4}" type="datetimeFigureOut">
               <a:rPr lang="en-US"/>
-              <a:t>2020-01-10</a:t>
+              <a:t>2020-01-13</a:t>
             </a:fld>
             <a:endParaRPr lang="en-US"/>
           </a:p>
@@ -1818,7 +2258,7 @@
           <a:p>
             <a:fld id="{BE6D9612-3471-AB4D-8B87-F4604D7407B4}" type="datetimeFigureOut">
               <a:rPr lang="en-US"/>
-              <a:t>2020-01-10</a:t>
+              <a:t>2020-01-13</a:t>
             </a:fld>
             <a:endParaRPr lang="en-US"/>
           </a:p>
@@ -1959,7 +2399,7 @@
           <a:p>
             <a:fld id="{BE6D9612-3471-AB4D-8B87-F4604D7407B4}" type="datetimeFigureOut">
               <a:rPr lang="en-US"/>
-              <a:t>2020-01-10</a:t>
+              <a:t>2020-01-13</a:t>
             </a:fld>
             <a:endParaRPr lang="en-US"/>
           </a:p>
@@ -2072,7 +2512,7 @@
           <a:p>
             <a:fld id="{BE6D9612-3471-AB4D-8B87-F4604D7407B4}" type="datetimeFigureOut">
               <a:rPr lang="en-US"/>
-              <a:t>2020-01-10</a:t>
+              <a:t>2020-01-13</a:t>
             </a:fld>
             <a:endParaRPr lang="en-US"/>
           </a:p>
@@ -2383,7 +2823,7 @@
           <a:p>
             <a:fld id="{BE6D9612-3471-AB4D-8B87-F4604D7407B4}" type="datetimeFigureOut">
               <a:rPr lang="en-US"/>
-              <a:t>2020-01-10</a:t>
+              <a:t>2020-01-13</a:t>
             </a:fld>
             <a:endParaRPr lang="en-US"/>
           </a:p>
@@ -2671,7 +3111,7 @@
           <a:p>
             <a:fld id="{BE6D9612-3471-AB4D-8B87-F4604D7407B4}" type="datetimeFigureOut">
               <a:rPr lang="en-US"/>
-              <a:t>2020-01-10</a:t>
+              <a:t>2020-01-13</a:t>
             </a:fld>
             <a:endParaRPr lang="en-US"/>
           </a:p>
@@ -2912,7 +3352,7 @@
           <a:p>
             <a:fld id="{BE6D9612-3471-AB4D-8B87-F4604D7407B4}" type="datetimeFigureOut">
               <a:rPr lang="en-US"/>
-              <a:t>2020-01-10</a:t>
+              <a:t>2020-01-13</a:t>
             </a:fld>
             <a:endParaRPr lang="en-US"/>
           </a:p>
@@ -3351,7 +3791,7 @@
         </p:blipFill>
         <p:spPr>
           <a:xfrm>
-            <a:off x="6962642" y="3935903"/>
+            <a:off x="7064243" y="3795225"/>
             <a:ext cx="4572865" cy="2621206"/>
           </a:xfrm>
           <a:prstGeom prst="rect">
@@ -3434,7 +3874,7 @@
               <a:t> </a:t>
             </a:r>
             <a:r>
-              <a:rPr lang="en-US" sz="3600" dirty="0">
+              <a:rPr lang="en-US" sz="3200" dirty="0">
                 <a:latin typeface="+mj-lt"/>
               </a:rPr>
               <a:t>Definition</a:t>
@@ -3454,7 +3894,7 @@
               <a:buChar char="Ø"/>
             </a:pPr>
             <a:r>
-              <a:rPr lang="en-US" sz="2800" dirty="0"/>
+              <a:rPr lang="en-US" sz="2600" dirty="0"/>
               <a:t>Stressor – the object or event causing stress</a:t>
             </a:r>
           </a:p>
@@ -3464,7 +3904,9 @@
               <a:buChar char="§"/>
             </a:pPr>
             <a:r>
-              <a:rPr lang="en-US" sz="2400" dirty="0"/>
+              <a:rPr lang="en-US" sz="2200" dirty="0">
+                <a:latin typeface="+mj-lt"/>
+              </a:rPr>
               <a:t>E.g. the lion</a:t>
             </a:r>
           </a:p>
@@ -3472,7 +3914,7 @@
             <a:pPr marL="457200" lvl="1" indent="0">
               <a:buNone/>
             </a:pPr>
-            <a:endParaRPr lang="en-US" dirty="0"/>
+            <a:endParaRPr lang="en-US" sz="2600" dirty="0"/>
           </a:p>
           <a:p>
             <a:pPr lvl="1">
@@ -3480,7 +3922,7 @@
               <a:buChar char="Ø"/>
             </a:pPr>
             <a:r>
-              <a:rPr lang="en-US" sz="2800" dirty="0"/>
+              <a:rPr lang="en-US" sz="2600" dirty="0"/>
               <a:t>Stress – “the non-specific response of the body to any demand for change”</a:t>
             </a:r>
           </a:p>
@@ -3489,7 +3931,7 @@
               <a:buNone/>
             </a:pPr>
             <a:r>
-              <a:rPr lang="en-US" sz="2800" dirty="0"/>
+              <a:rPr lang="en-US" sz="2600" dirty="0"/>
               <a:t>               – physical or emotional response to stressor </a:t>
             </a:r>
           </a:p>
@@ -3499,7 +3941,9 @@
               <a:buChar char="§"/>
             </a:pPr>
             <a:r>
-              <a:rPr lang="en-US" sz="2400" dirty="0"/>
+              <a:rPr lang="en-US" sz="2200" dirty="0">
+                <a:latin typeface="+mj-lt"/>
+              </a:rPr>
               <a:t>E.g. the deer running away in fear</a:t>
             </a:r>
           </a:p>
@@ -3612,7 +4056,7 @@
               <a:buChar char="v"/>
             </a:pPr>
             <a:r>
-              <a:rPr lang="en-US" sz="3600" dirty="0">
+              <a:rPr lang="en-US" sz="3200" dirty="0">
                 <a:latin typeface="+mj-lt"/>
               </a:rPr>
               <a:t> Causes of stress</a:t>
@@ -3632,7 +4076,7 @@
               <a:buChar char="Ø"/>
             </a:pPr>
             <a:r>
-              <a:rPr lang="en-US" dirty="0"/>
+              <a:rPr lang="en-US" sz="2600" dirty="0"/>
               <a:t>Performance pressure </a:t>
             </a:r>
           </a:p>
@@ -3642,10 +4086,17 @@
               <a:buChar char="§"/>
             </a:pPr>
             <a:r>
-              <a:rPr lang="en-US" dirty="0"/>
+              <a:rPr lang="en-US" sz="2200" dirty="0">
+                <a:latin typeface="+mj-lt"/>
+              </a:rPr>
               <a:t>E.g. before an evaluation or assessment</a:t>
             </a:r>
-            <a:endParaRPr lang="en-GB" dirty="0"/>
+          </a:p>
+          <a:p>
+            <a:pPr marL="457200" lvl="1" indent="0">
+              <a:buNone/>
+            </a:pPr>
+            <a:endParaRPr lang="en-GB" sz="800" dirty="0"/>
           </a:p>
           <a:p>
             <a:pPr lvl="0">
@@ -3653,7 +4104,7 @@
               <a:buChar char="Ø"/>
             </a:pPr>
             <a:r>
-              <a:rPr lang="en-US" dirty="0"/>
+              <a:rPr lang="en-US" sz="2600" dirty="0"/>
               <a:t>Stressors – object or event causing stress</a:t>
             </a:r>
           </a:p>
@@ -3663,10 +4114,17 @@
               <a:buChar char="§"/>
             </a:pPr>
             <a:r>
-              <a:rPr lang="en-US" dirty="0"/>
+              <a:rPr lang="en-US" sz="2200" dirty="0">
+                <a:latin typeface="+mj-lt"/>
+              </a:rPr>
               <a:t>E.g. physical (pain, disease etc.), psychosocial(conflicts, getting bullied etc.), socioeconomic (money problems, poverty), sensory (noise, bright light etc.), life events, crisis, anticipation, acute or chronical stress (stressed for long periods)……</a:t>
             </a:r>
-            <a:endParaRPr lang="en-GB" dirty="0"/>
+          </a:p>
+          <a:p>
+            <a:pPr marL="457200" lvl="1" indent="0">
+              <a:buNone/>
+            </a:pPr>
+            <a:endParaRPr lang="en-GB" sz="800" dirty="0"/>
           </a:p>
           <a:p>
             <a:pPr lvl="0">
@@ -3674,7 +4132,7 @@
               <a:buChar char="Ø"/>
             </a:pPr>
             <a:r>
-              <a:rPr lang="en-US" dirty="0"/>
+              <a:rPr lang="en-US" sz="2600" dirty="0"/>
               <a:t>Personal characteristics</a:t>
             </a:r>
           </a:p>
@@ -3684,7 +4142,9 @@
               <a:buChar char="§"/>
             </a:pPr>
             <a:r>
-              <a:rPr lang="en-GB" dirty="0"/>
+              <a:rPr lang="en-GB" sz="2200" dirty="0">
+                <a:latin typeface="+mj-lt"/>
+              </a:rPr>
               <a:t>E.g. hormonal problems (cortisol not produced), chronical increased tension (small things trigger response, uncontrollable emotions etc.), no coping strategy, psychological illness (depression, anxiety etc.)</a:t>
             </a:r>
           </a:p>
@@ -3809,13 +4269,13 @@
         </p:nvSpPr>
         <p:spPr>
           <a:xfrm>
-            <a:off x="556780" y="1574276"/>
+            <a:off x="556780" y="1325563"/>
             <a:ext cx="10515600" cy="4467750"/>
           </a:xfrm>
         </p:spPr>
         <p:txBody>
           <a:bodyPr>
-            <a:normAutofit fontScale="92500" lnSpcReduction="10000"/>
+            <a:normAutofit/>
           </a:bodyPr>
           <a:lstStyle/>
           <a:p>
@@ -3824,7 +4284,7 @@
               <a:buChar char="v"/>
             </a:pPr>
             <a:r>
-              <a:rPr lang="en-GB" sz="3600" dirty="0">
+              <a:rPr lang="en-GB" sz="3200" dirty="0">
                 <a:latin typeface="+mj-lt"/>
               </a:rPr>
               <a:t> Eustress vs Distress</a:t>
@@ -3844,7 +4304,7 @@
               <a:buChar char="Ø"/>
             </a:pPr>
             <a:r>
-              <a:rPr lang="en-GB" sz="3000" dirty="0"/>
+              <a:rPr lang="en-GB" sz="2600" dirty="0"/>
               <a:t>Eustress – positive stress </a:t>
             </a:r>
           </a:p>
@@ -3854,7 +4314,9 @@
               <a:buChar char="§"/>
             </a:pPr>
             <a:r>
-              <a:rPr lang="en-GB" sz="2600" dirty="0"/>
+              <a:rPr lang="en-GB" sz="2200" dirty="0">
+                <a:latin typeface="+mj-lt"/>
+              </a:rPr>
               <a:t>Feels motivated, excited</a:t>
             </a:r>
           </a:p>
@@ -3864,7 +4326,9 @@
               <a:buChar char="§"/>
             </a:pPr>
             <a:r>
-              <a:rPr lang="en-GB" sz="2600" dirty="0"/>
+              <a:rPr lang="en-GB" sz="2200" dirty="0">
+                <a:latin typeface="+mj-lt"/>
+              </a:rPr>
               <a:t>E.g. new job, buying house, marriage </a:t>
             </a:r>
           </a:p>
@@ -3880,7 +4344,7 @@
               <a:buChar char="Ø"/>
             </a:pPr>
             <a:r>
-              <a:rPr lang="en-GB" sz="3000" dirty="0"/>
+              <a:rPr lang="en-GB" sz="2600" dirty="0"/>
               <a:t>Distress – negative stress</a:t>
             </a:r>
           </a:p>
@@ -3890,7 +4354,9 @@
               <a:buChar char="§"/>
             </a:pPr>
             <a:r>
-              <a:rPr lang="en-GB" sz="2600" dirty="0"/>
+              <a:rPr lang="en-GB" sz="2200" dirty="0">
+                <a:latin typeface="+mj-lt"/>
+              </a:rPr>
               <a:t>Feels anxious, concerned</a:t>
             </a:r>
           </a:p>
@@ -3900,7 +4366,9 @@
               <a:buChar char="§"/>
             </a:pPr>
             <a:r>
-              <a:rPr lang="en-GB" sz="2600" dirty="0"/>
+              <a:rPr lang="en-GB" sz="2200" dirty="0">
+                <a:latin typeface="+mj-lt"/>
+              </a:rPr>
               <a:t>E.g. job insecurity, interpersonal conflicts </a:t>
             </a:r>
           </a:p>
@@ -3916,7 +4384,7 @@
               <a:buChar char="Ø"/>
             </a:pPr>
             <a:r>
-              <a:rPr lang="en-GB" sz="3000" dirty="0"/>
+              <a:rPr lang="en-GB" sz="2600" dirty="0"/>
               <a:t>Psychological signals (heart rate, cortisol etc.) are similar</a:t>
             </a:r>
           </a:p>
@@ -3939,7 +4407,7 @@
         </p:nvSpPr>
         <p:spPr>
           <a:xfrm>
-            <a:off x="763571" y="6325386"/>
+            <a:off x="740124" y="6325386"/>
             <a:ext cx="7805394" cy="338554"/>
           </a:xfrm>
           <a:prstGeom prst="rect">
@@ -4018,10 +4486,290 @@
           <a:lstStyle/>
           <a:p>
             <a:r>
+              <a:rPr lang="en-US" dirty="0">
+                <a:latin typeface="+mn-lt"/>
+              </a:rPr>
+              <a:t>Workplace stress</a:t>
+            </a:r>
+          </a:p>
+        </p:txBody>
+      </p:sp>
+      <p:sp>
+        <p:nvSpPr>
+          <p:cNvPr id="3" name="Content Placeholder 2">
+            <a:extLst>
+              <a:ext uri="{FF2B5EF4-FFF2-40B4-BE49-F238E27FC236}">
+                <a16:creationId xmlns:a16="http://schemas.microsoft.com/office/drawing/2014/main" id="{E208438C-0663-E040-851B-C66B056211A3}"/>
+              </a:ext>
+            </a:extLst>
+          </p:cNvPr>
+          <p:cNvSpPr>
+            <a:spLocks noGrp="1"/>
+          </p:cNvSpPr>
+          <p:nvPr>
+            <p:ph idx="1"/>
+          </p:nvPr>
+        </p:nvSpPr>
+        <p:spPr>
+          <a:xfrm>
+            <a:off x="838200" y="1093336"/>
+            <a:ext cx="10515600" cy="5658338"/>
+          </a:xfrm>
+        </p:spPr>
+        <p:txBody>
+          <a:bodyPr>
+            <a:normAutofit/>
+          </a:bodyPr>
+          <a:lstStyle/>
+          <a:p>
+            <a:pPr>
+              <a:buFont typeface="Wingdings" panose="05000000000000000000" pitchFamily="2" charset="2"/>
+              <a:buChar char="v"/>
+            </a:pPr>
+            <a:r>
               <a:rPr lang="en-US" b="1" dirty="0"/>
+              <a:t> </a:t>
+            </a:r>
+            <a:r>
+              <a:rPr lang="en-US" sz="3200" dirty="0">
+                <a:latin typeface="+mj-lt"/>
+              </a:rPr>
+              <a:t>Time Stress</a:t>
+            </a:r>
+          </a:p>
+          <a:p>
+            <a:pPr lvl="1">
+              <a:buFont typeface="Wingdings" panose="05000000000000000000" pitchFamily="2" charset="2"/>
+              <a:buChar char="Ø"/>
+            </a:pPr>
+            <a:r>
+              <a:rPr lang="en-US" sz="2600" dirty="0"/>
+              <a:t> worry about lack of time, rushing to meet deadline</a:t>
+            </a:r>
+          </a:p>
+          <a:p>
+            <a:pPr lvl="1">
+              <a:buFont typeface="Wingdings" panose="05000000000000000000" pitchFamily="2" charset="2"/>
+              <a:buChar char="Ø"/>
+            </a:pPr>
+            <a:r>
+              <a:rPr lang="en-US" sz="2600" dirty="0"/>
+              <a:t> may effect quality of work</a:t>
+            </a:r>
+          </a:p>
+          <a:p>
+            <a:pPr lvl="1">
+              <a:buFont typeface="Wingdings" panose="05000000000000000000" pitchFamily="2" charset="2"/>
+              <a:buChar char="Ø"/>
+            </a:pPr>
+            <a:r>
+              <a:rPr lang="en-US" sz="2600" dirty="0"/>
+              <a:t> Possible scenarios?</a:t>
+            </a:r>
+          </a:p>
+          <a:p>
+            <a:pPr lvl="2">
+              <a:buFont typeface="Wingdings" panose="05000000000000000000" pitchFamily="2" charset="2"/>
+              <a:buChar char="§"/>
+            </a:pPr>
+            <a:r>
+              <a:rPr lang="en-US" sz="2200" dirty="0">
+                <a:latin typeface="+mj-lt"/>
+              </a:rPr>
+              <a:t>complete work in 5min but robot is slow</a:t>
+            </a:r>
+          </a:p>
+          <a:p>
+            <a:pPr lvl="2">
+              <a:buFont typeface="Wingdings" panose="05000000000000000000" pitchFamily="2" charset="2"/>
+              <a:buChar char="§"/>
+            </a:pPr>
+            <a:r>
+              <a:rPr lang="en-US" sz="2200" dirty="0">
+                <a:latin typeface="+mj-lt"/>
+              </a:rPr>
+              <a:t>worker interrupted but robot keeps working, now worker has to catch up</a:t>
+            </a:r>
+          </a:p>
+          <a:p>
+            <a:pPr marL="914400" lvl="2" indent="0">
+              <a:buNone/>
+            </a:pPr>
+            <a:endParaRPr lang="en-US" sz="800" dirty="0">
+              <a:latin typeface="+mj-lt"/>
+            </a:endParaRPr>
+          </a:p>
+          <a:p>
+            <a:pPr>
+              <a:buFont typeface="Wingdings" panose="05000000000000000000" pitchFamily="2" charset="2"/>
+              <a:buChar char="v"/>
+            </a:pPr>
+            <a:r>
+              <a:rPr lang="en-US" dirty="0">
+                <a:latin typeface="+mj-lt"/>
+              </a:rPr>
+              <a:t> </a:t>
+            </a:r>
+            <a:r>
+              <a:rPr lang="en-US" sz="3200" dirty="0">
+                <a:latin typeface="+mj-lt"/>
+              </a:rPr>
+              <a:t>Anticipatory Stress</a:t>
+            </a:r>
+          </a:p>
+          <a:p>
+            <a:pPr lvl="1">
+              <a:buFont typeface="Wingdings" panose="05000000000000000000" pitchFamily="2" charset="2"/>
+              <a:buChar char="Ø"/>
+            </a:pPr>
+            <a:r>
+              <a:rPr lang="en-US" sz="2600" dirty="0"/>
+              <a:t> future stress – stress about upcoming event</a:t>
+            </a:r>
+          </a:p>
+          <a:p>
+            <a:pPr lvl="1">
+              <a:buFont typeface="Wingdings" panose="05000000000000000000" pitchFamily="2" charset="2"/>
+              <a:buChar char="Ø"/>
+            </a:pPr>
+            <a:r>
+              <a:rPr lang="en-US" sz="2600" dirty="0"/>
+              <a:t> frustrated (because nothing can be done about it yet)</a:t>
+            </a:r>
+          </a:p>
+          <a:p>
+            <a:pPr lvl="1">
+              <a:buFont typeface="Wingdings" panose="05000000000000000000" pitchFamily="2" charset="2"/>
+              <a:buChar char="Ø"/>
+            </a:pPr>
+            <a:r>
+              <a:rPr lang="en-US" sz="2600" dirty="0"/>
+              <a:t>Possible scenarios?</a:t>
+            </a:r>
+          </a:p>
+          <a:p>
+            <a:pPr lvl="2">
+              <a:buFont typeface="Wingdings" panose="05000000000000000000" pitchFamily="2" charset="2"/>
+              <a:buChar char="§"/>
+            </a:pPr>
+            <a:r>
+              <a:rPr lang="en-US" sz="2200" dirty="0">
+                <a:latin typeface="+mj-lt"/>
+              </a:rPr>
+              <a:t>explain the work or demo (maybe along with robot?)</a:t>
+            </a:r>
+          </a:p>
+          <a:p>
+            <a:pPr lvl="2">
+              <a:buFont typeface="Wingdings" panose="05000000000000000000" pitchFamily="2" charset="2"/>
+              <a:buChar char="§"/>
+            </a:pPr>
+            <a:r>
+              <a:rPr lang="en-US" sz="2200" dirty="0">
+                <a:latin typeface="+mj-lt"/>
+              </a:rPr>
+              <a:t>waiting for evaluation of work</a:t>
+            </a:r>
+          </a:p>
+        </p:txBody>
+      </p:sp>
+      <p:sp>
+        <p:nvSpPr>
+          <p:cNvPr id="5" name="TextBox 4">
+            <a:extLst>
+              <a:ext uri="{FF2B5EF4-FFF2-40B4-BE49-F238E27FC236}">
+                <a16:creationId xmlns:a16="http://schemas.microsoft.com/office/drawing/2014/main" id="{953FE0A5-DE98-47CE-B7F4-57A79F647BBA}"/>
+              </a:ext>
+            </a:extLst>
+          </p:cNvPr>
+          <p:cNvSpPr txBox="1"/>
+          <p:nvPr/>
+        </p:nvSpPr>
+        <p:spPr>
+          <a:xfrm>
+            <a:off x="583817" y="6519446"/>
+            <a:ext cx="7805394" cy="338554"/>
+          </a:xfrm>
+          <a:prstGeom prst="rect">
+            <a:avLst/>
+          </a:prstGeom>
+          <a:noFill/>
+        </p:spPr>
+        <p:txBody>
+          <a:bodyPr wrap="square" rtlCol="0">
+            <a:spAutoFit/>
+          </a:bodyPr>
+          <a:lstStyle/>
+          <a:p>
+            <a:r>
+              <a:rPr lang="en-US" sz="1600" dirty="0"/>
+              <a:t>‘Stress and the Manager’ by Dr Karl Albrecht</a:t>
+            </a:r>
+          </a:p>
+        </p:txBody>
+      </p:sp>
+    </p:spTree>
+    <p:extLst>
+      <p:ext uri="{BB962C8B-B14F-4D97-AF65-F5344CB8AC3E}">
+        <p14:creationId xmlns:p14="http://schemas.microsoft.com/office/powerpoint/2010/main" val="3682020144"/>
+      </p:ext>
+    </p:extLst>
+  </p:cSld>
+  <p:clrMapOvr>
+    <a:masterClrMapping/>
+  </p:clrMapOvr>
+</p:sld>
+</file>
+
+<file path=ppt/slides/slide5.xml><?xml version="1.0" encoding="utf-8"?>
+<p:sld xmlns:a="http://schemas.openxmlformats.org/drawingml/2006/main" xmlns:r="http://schemas.openxmlformats.org/officeDocument/2006/relationships" xmlns:p="http://schemas.openxmlformats.org/presentationml/2006/main">
+  <p:cSld>
+    <p:spTree>
+      <p:nvGrpSpPr>
+        <p:cNvPr id="1" name=""/>
+        <p:cNvGrpSpPr/>
+        <p:nvPr/>
+      </p:nvGrpSpPr>
+      <p:grpSpPr>
+        <a:xfrm>
+          <a:off x="0" y="0"/>
+          <a:ext cx="0" cy="0"/>
+          <a:chOff x="0" y="0"/>
+          <a:chExt cx="0" cy="0"/>
+        </a:xfrm>
+      </p:grpSpPr>
+      <p:sp>
+        <p:nvSpPr>
+          <p:cNvPr id="2" name="Title 1">
+            <a:extLst>
+              <a:ext uri="{FF2B5EF4-FFF2-40B4-BE49-F238E27FC236}">
+                <a16:creationId xmlns:a16="http://schemas.microsoft.com/office/drawing/2014/main" id="{9D1842D5-6470-654F-9EEC-B2FAA323611A}"/>
+              </a:ext>
+            </a:extLst>
+          </p:cNvPr>
+          <p:cNvSpPr>
+            <a:spLocks noGrp="1"/>
+          </p:cNvSpPr>
+          <p:nvPr>
+            <p:ph type="title"/>
+          </p:nvPr>
+        </p:nvSpPr>
+        <p:spPr>
+          <a:xfrm>
+            <a:off x="838200" y="0"/>
+            <a:ext cx="10515600" cy="1325563"/>
+          </a:xfrm>
+        </p:spPr>
+        <p:txBody>
+          <a:bodyPr/>
+          <a:lstStyle/>
+          <a:p>
+            <a:r>
+              <a:rPr lang="en-US" dirty="0">
+                <a:latin typeface="+mn-lt"/>
+              </a:rPr>
               <a:t>Workplace stress</a:t>
             </a:r>
-            <a:endParaRPr lang="en-US" dirty="0"/>
           </a:p>
         </p:txBody>
       </p:sp>
@@ -4056,14 +4804,10 @@
               <a:buChar char="v"/>
             </a:pPr>
             <a:r>
-              <a:rPr lang="en-US" b="1" dirty="0"/>
-              <a:t> </a:t>
-            </a:r>
-            <a:r>
-              <a:rPr lang="en-US" dirty="0">
+              <a:rPr lang="en-US" sz="3200" dirty="0">
                 <a:latin typeface="+mj-lt"/>
               </a:rPr>
-              <a:t>Time Stress</a:t>
+              <a:t>Situational Stress</a:t>
             </a:r>
           </a:p>
           <a:p>
@@ -4072,10 +4816,14 @@
               <a:buChar char="Ø"/>
             </a:pPr>
             <a:r>
-              <a:rPr lang="en-US" dirty="0">
+              <a:rPr lang="en-US" sz="2600" dirty="0">
                 <a:latin typeface="+mj-lt"/>
               </a:rPr>
-              <a:t> worry about lack of time, rushing to meet deadline</a:t>
+              <a:t> </a:t>
+            </a:r>
+            <a:r>
+              <a:rPr lang="en-US" sz="2600" dirty="0"/>
+              <a:t>tense situations (or conflict situations) with no control</a:t>
             </a:r>
           </a:p>
           <a:p>
@@ -4084,10 +4832,14 @@
               <a:buChar char="Ø"/>
             </a:pPr>
             <a:r>
-              <a:rPr lang="en-US" dirty="0">
+              <a:rPr lang="en-US" sz="2600" dirty="0">
                 <a:latin typeface="+mj-lt"/>
               </a:rPr>
-              <a:t> may effect quality of work</a:t>
+              <a:t> </a:t>
+            </a:r>
+            <a:r>
+              <a:rPr lang="en-US" sz="2600" dirty="0"/>
+              <a:t>feels powerless, lack of support</a:t>
             </a:r>
           </a:p>
           <a:p>
@@ -4096,10 +4848,14 @@
               <a:buChar char="Ø"/>
             </a:pPr>
             <a:r>
-              <a:rPr lang="en-US" dirty="0">
+              <a:rPr lang="en-US" sz="2600" dirty="0">
                 <a:latin typeface="+mj-lt"/>
               </a:rPr>
-              <a:t> Possible scenarios</a:t>
+              <a:t> </a:t>
+            </a:r>
+            <a:r>
+              <a:rPr lang="en-US" sz="2600" dirty="0"/>
+              <a:t>Possible situations?</a:t>
             </a:r>
           </a:p>
           <a:p>
@@ -4108,10 +4864,58 @@
               <a:buChar char="§"/>
             </a:pPr>
             <a:r>
-              <a:rPr lang="en-US" dirty="0">
+              <a:rPr lang="en-US" sz="2200" dirty="0">
                 <a:latin typeface="+mj-lt"/>
               </a:rPr>
-              <a:t>complete work in 5min but robot is slow</a:t>
+              <a:t>robot suddenly starts making a lot of mistakes/ “mis-behaving”</a:t>
+            </a:r>
+          </a:p>
+          <a:p>
+            <a:pPr marL="914400" lvl="2" indent="0">
+              <a:buNone/>
+            </a:pPr>
+            <a:endParaRPr lang="en-US" sz="800" dirty="0">
+              <a:latin typeface="+mj-lt"/>
+            </a:endParaRPr>
+          </a:p>
+          <a:p>
+            <a:pPr>
+              <a:buFont typeface="Wingdings" panose="05000000000000000000" pitchFamily="2" charset="2"/>
+              <a:buChar char="v"/>
+            </a:pPr>
+            <a:r>
+              <a:rPr lang="en-US" sz="3200" dirty="0">
+                <a:latin typeface="+mj-lt"/>
+              </a:rPr>
+              <a:t> Encounter Stress</a:t>
+            </a:r>
+          </a:p>
+          <a:p>
+            <a:pPr lvl="1">
+              <a:buFont typeface="Wingdings" panose="05000000000000000000" pitchFamily="2" charset="2"/>
+              <a:buChar char="Ø"/>
+            </a:pPr>
+            <a:r>
+              <a:rPr lang="en-US" sz="2600" dirty="0"/>
+              <a:t> meeting stress – about interaction with others (esp. </a:t>
+            </a:r>
+            <a:r>
+              <a:rPr lang="en-US" dirty="0"/>
+              <a:t>unpredictable, dissatisfied or unfriendly bosses/colleagues/clients</a:t>
+            </a:r>
+            <a:r>
+              <a:rPr lang="en-US" sz="2600" dirty="0"/>
+              <a:t>)</a:t>
+            </a:r>
+          </a:p>
+          <a:p>
+            <a:pPr lvl="1">
+              <a:buFont typeface="Wingdings" panose="05000000000000000000" pitchFamily="2" charset="2"/>
+              <a:buChar char="Ø"/>
+            </a:pPr>
+            <a:r>
+              <a:rPr lang="en-US" sz="2600" dirty="0"/>
+              <a:t> Possible situations?</a:t>
             </a:r>
           </a:p>
           <a:p>
@@ -4120,58 +4924,10 @@
               <a:buChar char="§"/>
             </a:pPr>
             <a:r>
-              <a:rPr lang="en-US" dirty="0">
+              <a:rPr lang="en-US" sz="2200" dirty="0">
                 <a:latin typeface="+mj-lt"/>
               </a:rPr>
-              <a:t> worker interrupted but robot keeps working, now worker has to catch up</a:t>
-            </a:r>
-          </a:p>
-          <a:p>
-            <a:pPr>
-              <a:buFont typeface="Wingdings" panose="05000000000000000000" pitchFamily="2" charset="2"/>
-              <a:buChar char="v"/>
-            </a:pPr>
-            <a:r>
-              <a:rPr lang="en-US" dirty="0">
-                <a:latin typeface="+mj-lt"/>
-              </a:rPr>
-              <a:t> Anticipatory Stress</a:t>
-            </a:r>
-          </a:p>
-          <a:p>
-            <a:pPr lvl="1">
-              <a:buFont typeface="Wingdings" panose="05000000000000000000" pitchFamily="2" charset="2"/>
-              <a:buChar char="Ø"/>
-            </a:pPr>
-            <a:r>
-              <a:rPr lang="en-US" dirty="0">
-                <a:latin typeface="+mj-lt"/>
-              </a:rPr>
-              <a:t> </a:t>
-            </a:r>
-          </a:p>
-          <a:p>
-            <a:pPr>
-              <a:buFont typeface="Wingdings" panose="05000000000000000000" pitchFamily="2" charset="2"/>
-              <a:buChar char="v"/>
-            </a:pPr>
-            <a:r>
-              <a:rPr lang="en-US" dirty="0">
-                <a:latin typeface="+mj-lt"/>
-              </a:rPr>
-              <a:t> Situational Stress</a:t>
-            </a:r>
-          </a:p>
-          <a:p>
-            <a:pPr>
-              <a:buFont typeface="Wingdings" panose="05000000000000000000" pitchFamily="2" charset="2"/>
-              <a:buChar char="v"/>
-            </a:pPr>
-            <a:r>
-              <a:rPr lang="en-US" dirty="0">
-                <a:latin typeface="+mj-lt"/>
-              </a:rPr>
-              <a:t> Encounter Stress</a:t>
+              <a:t>repeated unfriendly and dominant behavior from robot</a:t>
             </a:r>
           </a:p>
         </p:txBody>
@@ -4214,7 +4970,506 @@
     </p:spTree>
     <p:extLst>
       <p:ext uri="{BB962C8B-B14F-4D97-AF65-F5344CB8AC3E}">
-        <p14:creationId xmlns:p14="http://schemas.microsoft.com/office/powerpoint/2010/main" val="3682020144"/>
+        <p14:creationId xmlns:p14="http://schemas.microsoft.com/office/powerpoint/2010/main" val="799707640"/>
+      </p:ext>
+    </p:extLst>
+  </p:cSld>
+  <p:clrMapOvr>
+    <a:masterClrMapping/>
+  </p:clrMapOvr>
+</p:sld>
+</file>
+
+<file path=ppt/slides/slide6.xml><?xml version="1.0" encoding="utf-8"?>
+<p:sld xmlns:a="http://schemas.openxmlformats.org/drawingml/2006/main" xmlns:r="http://schemas.openxmlformats.org/officeDocument/2006/relationships" xmlns:p="http://schemas.openxmlformats.org/presentationml/2006/main">
+  <p:cSld>
+    <p:spTree>
+      <p:nvGrpSpPr>
+        <p:cNvPr id="1" name=""/>
+        <p:cNvGrpSpPr/>
+        <p:nvPr/>
+      </p:nvGrpSpPr>
+      <p:grpSpPr>
+        <a:xfrm>
+          <a:off x="0" y="0"/>
+          <a:ext cx="0" cy="0"/>
+          <a:chOff x="0" y="0"/>
+          <a:chExt cx="0" cy="0"/>
+        </a:xfrm>
+      </p:grpSpPr>
+      <p:sp>
+        <p:nvSpPr>
+          <p:cNvPr id="2" name="Title 1">
+            <a:extLst>
+              <a:ext uri="{FF2B5EF4-FFF2-40B4-BE49-F238E27FC236}">
+                <a16:creationId xmlns:a16="http://schemas.microsoft.com/office/drawing/2014/main" id="{9593015A-8466-4D32-8A1A-320DCEF4906A}"/>
+              </a:ext>
+            </a:extLst>
+          </p:cNvPr>
+          <p:cNvSpPr>
+            <a:spLocks noGrp="1"/>
+          </p:cNvSpPr>
+          <p:nvPr>
+            <p:ph type="title"/>
+          </p:nvPr>
+        </p:nvSpPr>
+        <p:spPr/>
+        <p:txBody>
+          <a:bodyPr/>
+          <a:lstStyle/>
+          <a:p>
+            <a:r>
+              <a:rPr lang="en-US" dirty="0">
+                <a:latin typeface="+mn-lt"/>
+              </a:rPr>
+              <a:t>Stress datasets</a:t>
+            </a:r>
+          </a:p>
+        </p:txBody>
+      </p:sp>
+      <p:sp>
+        <p:nvSpPr>
+          <p:cNvPr id="3" name="Content Placeholder 2">
+            <a:extLst>
+              <a:ext uri="{FF2B5EF4-FFF2-40B4-BE49-F238E27FC236}">
+                <a16:creationId xmlns:a16="http://schemas.microsoft.com/office/drawing/2014/main" id="{379C9ADA-7E2F-4F47-867C-7EDE0962D5B5}"/>
+              </a:ext>
+            </a:extLst>
+          </p:cNvPr>
+          <p:cNvSpPr>
+            <a:spLocks noGrp="1"/>
+          </p:cNvSpPr>
+          <p:nvPr>
+            <p:ph idx="1"/>
+          </p:nvPr>
+        </p:nvSpPr>
+        <p:spPr/>
+        <p:txBody>
+          <a:bodyPr/>
+          <a:lstStyle/>
+          <a:p>
+            <a:endParaRPr lang="en-US"/>
+          </a:p>
+        </p:txBody>
+      </p:sp>
+    </p:spTree>
+    <p:extLst>
+      <p:ext uri="{BB962C8B-B14F-4D97-AF65-F5344CB8AC3E}">
+        <p14:creationId xmlns:p14="http://schemas.microsoft.com/office/powerpoint/2010/main" val="1008279951"/>
+      </p:ext>
+    </p:extLst>
+  </p:cSld>
+  <p:clrMapOvr>
+    <a:masterClrMapping/>
+  </p:clrMapOvr>
+</p:sld>
+</file>
+
+<file path=ppt/slides/slide7.xml><?xml version="1.0" encoding="utf-8"?>
+<p:sld xmlns:a="http://schemas.openxmlformats.org/drawingml/2006/main" xmlns:r="http://schemas.openxmlformats.org/officeDocument/2006/relationships" xmlns:p="http://schemas.openxmlformats.org/presentationml/2006/main">
+  <p:cSld>
+    <p:spTree>
+      <p:nvGrpSpPr>
+        <p:cNvPr id="1" name=""/>
+        <p:cNvGrpSpPr/>
+        <p:nvPr/>
+      </p:nvGrpSpPr>
+      <p:grpSpPr>
+        <a:xfrm>
+          <a:off x="0" y="0"/>
+          <a:ext cx="0" cy="0"/>
+          <a:chOff x="0" y="0"/>
+          <a:chExt cx="0" cy="0"/>
+        </a:xfrm>
+      </p:grpSpPr>
+      <p:sp>
+        <p:nvSpPr>
+          <p:cNvPr id="2" name="Title 1">
+            <a:extLst>
+              <a:ext uri="{FF2B5EF4-FFF2-40B4-BE49-F238E27FC236}">
+                <a16:creationId xmlns:a16="http://schemas.microsoft.com/office/drawing/2014/main" id="{E0181032-D39C-4AF1-A913-F68787541252}"/>
+              </a:ext>
+            </a:extLst>
+          </p:cNvPr>
+          <p:cNvSpPr>
+            <a:spLocks noGrp="1"/>
+          </p:cNvSpPr>
+          <p:nvPr>
+            <p:ph type="title"/>
+          </p:nvPr>
+        </p:nvSpPr>
+        <p:spPr>
+          <a:xfrm>
+            <a:off x="838200" y="0"/>
+            <a:ext cx="10515600" cy="1325563"/>
+          </a:xfrm>
+        </p:spPr>
+        <p:txBody>
+          <a:bodyPr/>
+          <a:lstStyle/>
+          <a:p>
+            <a:r>
+              <a:rPr lang="en-US" dirty="0">
+                <a:latin typeface="+mn-lt"/>
+              </a:rPr>
+              <a:t>Data</a:t>
+            </a:r>
+          </a:p>
+        </p:txBody>
+      </p:sp>
+      <p:sp>
+        <p:nvSpPr>
+          <p:cNvPr id="3" name="Content Placeholder 2">
+            <a:extLst>
+              <a:ext uri="{FF2B5EF4-FFF2-40B4-BE49-F238E27FC236}">
+                <a16:creationId xmlns:a16="http://schemas.microsoft.com/office/drawing/2014/main" id="{D9B34A7A-57BA-4011-9562-03F39B650F6E}"/>
+              </a:ext>
+            </a:extLst>
+          </p:cNvPr>
+          <p:cNvSpPr>
+            <a:spLocks noGrp="1"/>
+          </p:cNvSpPr>
+          <p:nvPr>
+            <p:ph idx="1"/>
+          </p:nvPr>
+        </p:nvSpPr>
+        <p:spPr>
+          <a:xfrm>
+            <a:off x="838200" y="1117601"/>
+            <a:ext cx="10515600" cy="5059362"/>
+          </a:xfrm>
+        </p:spPr>
+        <p:txBody>
+          <a:bodyPr>
+            <a:normAutofit/>
+          </a:bodyPr>
+          <a:lstStyle/>
+          <a:p>
+            <a:pPr>
+              <a:buFont typeface="Wingdings" panose="05000000000000000000" pitchFamily="2" charset="2"/>
+              <a:buChar char="v"/>
+            </a:pPr>
+            <a:r>
+              <a:rPr lang="en-US" sz="3200" dirty="0"/>
+              <a:t> Sensors &amp; Signals</a:t>
+            </a:r>
+          </a:p>
+          <a:p>
+            <a:pPr lvl="1">
+              <a:buFont typeface="Wingdings" panose="05000000000000000000" pitchFamily="2" charset="2"/>
+              <a:buChar char="Ø"/>
+            </a:pPr>
+            <a:r>
+              <a:rPr lang="en-US" sz="2600" dirty="0"/>
+              <a:t> Video/images?</a:t>
+            </a:r>
+          </a:p>
+          <a:p>
+            <a:pPr lvl="2">
+              <a:buFont typeface="Wingdings" panose="05000000000000000000" pitchFamily="2" charset="2"/>
+              <a:buChar char="§"/>
+            </a:pPr>
+            <a:r>
+              <a:rPr lang="en-US" sz="2200" dirty="0">
+                <a:latin typeface="+mj-lt"/>
+              </a:rPr>
+              <a:t>Facial expressions</a:t>
+            </a:r>
+          </a:p>
+          <a:p>
+            <a:pPr lvl="2">
+              <a:buFont typeface="Wingdings" panose="05000000000000000000" pitchFamily="2" charset="2"/>
+              <a:buChar char="§"/>
+            </a:pPr>
+            <a:r>
+              <a:rPr lang="en-US" sz="2200" dirty="0">
+                <a:latin typeface="+mj-lt"/>
+              </a:rPr>
+              <a:t>Gestures</a:t>
+            </a:r>
+          </a:p>
+          <a:p>
+            <a:pPr lvl="2">
+              <a:buFont typeface="Wingdings" panose="05000000000000000000" pitchFamily="2" charset="2"/>
+              <a:buChar char="§"/>
+            </a:pPr>
+            <a:r>
+              <a:rPr lang="en-US" sz="2200" dirty="0">
+                <a:latin typeface="+mj-lt"/>
+              </a:rPr>
+              <a:t>Body posture</a:t>
+            </a:r>
+          </a:p>
+          <a:p>
+            <a:pPr lvl="1">
+              <a:buFont typeface="Wingdings" panose="05000000000000000000" pitchFamily="2" charset="2"/>
+              <a:buChar char="Ø"/>
+            </a:pPr>
+            <a:r>
+              <a:rPr lang="en-US" sz="2600" dirty="0"/>
+              <a:t> Audio recordings</a:t>
+            </a:r>
+          </a:p>
+          <a:p>
+            <a:pPr lvl="1">
+              <a:buFont typeface="Wingdings" panose="05000000000000000000" pitchFamily="2" charset="2"/>
+              <a:buChar char="Ø"/>
+            </a:pPr>
+            <a:r>
+              <a:rPr lang="en-US" sz="2600" dirty="0"/>
+              <a:t> Eye gaze tracking</a:t>
+            </a:r>
+          </a:p>
+          <a:p>
+            <a:pPr lvl="1">
+              <a:buFont typeface="Wingdings" panose="05000000000000000000" pitchFamily="2" charset="2"/>
+              <a:buChar char="Ø"/>
+            </a:pPr>
+            <a:r>
+              <a:rPr lang="en-US" sz="2600" dirty="0"/>
+              <a:t> Physiological signals</a:t>
+            </a:r>
+          </a:p>
+          <a:p>
+            <a:pPr lvl="2">
+              <a:buFont typeface="Wingdings" panose="05000000000000000000" pitchFamily="2" charset="2"/>
+              <a:buChar char="§"/>
+            </a:pPr>
+            <a:r>
+              <a:rPr lang="en-US" sz="2200" dirty="0">
+                <a:latin typeface="+mj-lt"/>
+              </a:rPr>
+              <a:t>Cortisol level</a:t>
+            </a:r>
+          </a:p>
+          <a:p>
+            <a:pPr lvl="2">
+              <a:buFont typeface="Wingdings" panose="05000000000000000000" pitchFamily="2" charset="2"/>
+              <a:buChar char="§"/>
+            </a:pPr>
+            <a:r>
+              <a:rPr lang="en-US" sz="2200" dirty="0">
+                <a:latin typeface="+mj-lt"/>
+              </a:rPr>
+              <a:t>Heart rate</a:t>
+            </a:r>
+          </a:p>
+          <a:p>
+            <a:pPr lvl="2">
+              <a:buFont typeface="Wingdings" panose="05000000000000000000" pitchFamily="2" charset="2"/>
+              <a:buChar char="§"/>
+            </a:pPr>
+            <a:r>
+              <a:rPr lang="en-US" sz="2200" dirty="0">
+                <a:latin typeface="+mj-lt"/>
+              </a:rPr>
+              <a:t>Blood pressure</a:t>
+            </a:r>
+          </a:p>
+        </p:txBody>
+      </p:sp>
+    </p:spTree>
+    <p:extLst>
+      <p:ext uri="{BB962C8B-B14F-4D97-AF65-F5344CB8AC3E}">
+        <p14:creationId xmlns:p14="http://schemas.microsoft.com/office/powerpoint/2010/main" val="1186557177"/>
+      </p:ext>
+    </p:extLst>
+  </p:cSld>
+  <p:clrMapOvr>
+    <a:masterClrMapping/>
+  </p:clrMapOvr>
+</p:sld>
+</file>
+
+<file path=ppt/slides/slide8.xml><?xml version="1.0" encoding="utf-8"?>
+<p:sld xmlns:a="http://schemas.openxmlformats.org/drawingml/2006/main" xmlns:r="http://schemas.openxmlformats.org/officeDocument/2006/relationships" xmlns:p="http://schemas.openxmlformats.org/presentationml/2006/main">
+  <p:cSld>
+    <p:spTree>
+      <p:nvGrpSpPr>
+        <p:cNvPr id="1" name=""/>
+        <p:cNvGrpSpPr/>
+        <p:nvPr/>
+      </p:nvGrpSpPr>
+      <p:grpSpPr>
+        <a:xfrm>
+          <a:off x="0" y="0"/>
+          <a:ext cx="0" cy="0"/>
+          <a:chOff x="0" y="0"/>
+          <a:chExt cx="0" cy="0"/>
+        </a:xfrm>
+      </p:grpSpPr>
+      <p:sp>
+        <p:nvSpPr>
+          <p:cNvPr id="2" name="Title 1">
+            <a:extLst>
+              <a:ext uri="{FF2B5EF4-FFF2-40B4-BE49-F238E27FC236}">
+                <a16:creationId xmlns:a16="http://schemas.microsoft.com/office/drawing/2014/main" id="{D3D2F317-C79E-4513-941F-DDEF954764AF}"/>
+              </a:ext>
+            </a:extLst>
+          </p:cNvPr>
+          <p:cNvSpPr>
+            <a:spLocks noGrp="1"/>
+          </p:cNvSpPr>
+          <p:nvPr>
+            <p:ph type="title"/>
+          </p:nvPr>
+        </p:nvSpPr>
+        <p:spPr>
+          <a:xfrm>
+            <a:off x="838200" y="0"/>
+            <a:ext cx="10515600" cy="1325563"/>
+          </a:xfrm>
+        </p:spPr>
+        <p:txBody>
+          <a:bodyPr/>
+          <a:lstStyle/>
+          <a:p>
+            <a:r>
+              <a:rPr lang="en-US" dirty="0">
+                <a:latin typeface="+mn-lt"/>
+              </a:rPr>
+              <a:t>Approach</a:t>
+            </a:r>
+          </a:p>
+        </p:txBody>
+      </p:sp>
+      <p:sp>
+        <p:nvSpPr>
+          <p:cNvPr id="3" name="Content Placeholder 2">
+            <a:extLst>
+              <a:ext uri="{FF2B5EF4-FFF2-40B4-BE49-F238E27FC236}">
+                <a16:creationId xmlns:a16="http://schemas.microsoft.com/office/drawing/2014/main" id="{49948FEF-C330-470B-B713-95F2634A12F7}"/>
+              </a:ext>
+            </a:extLst>
+          </p:cNvPr>
+          <p:cNvSpPr>
+            <a:spLocks noGrp="1"/>
+          </p:cNvSpPr>
+          <p:nvPr>
+            <p:ph idx="1"/>
+          </p:nvPr>
+        </p:nvSpPr>
+        <p:spPr>
+          <a:xfrm>
+            <a:off x="838200" y="1164492"/>
+            <a:ext cx="10515600" cy="5012471"/>
+          </a:xfrm>
+        </p:spPr>
+        <p:txBody>
+          <a:bodyPr>
+            <a:normAutofit/>
+          </a:bodyPr>
+          <a:lstStyle/>
+          <a:p>
+            <a:pPr>
+              <a:buFont typeface="Wingdings" panose="05000000000000000000" pitchFamily="2" charset="2"/>
+              <a:buChar char="v"/>
+            </a:pPr>
+            <a:r>
+              <a:rPr lang="en-US" sz="3200" dirty="0">
+                <a:latin typeface="+mj-lt"/>
+              </a:rPr>
+              <a:t> Survey</a:t>
+            </a:r>
+          </a:p>
+          <a:p>
+            <a:pPr lvl="1">
+              <a:buFont typeface="Wingdings" panose="05000000000000000000" pitchFamily="2" charset="2"/>
+              <a:buChar char="Ø"/>
+            </a:pPr>
+            <a:r>
+              <a:rPr lang="en-US" sz="2600" dirty="0"/>
+              <a:t> Find most common types of stress in workplace</a:t>
+            </a:r>
+          </a:p>
+          <a:p>
+            <a:pPr>
+              <a:buFont typeface="Wingdings" panose="05000000000000000000" pitchFamily="2" charset="2"/>
+              <a:buChar char="v"/>
+            </a:pPr>
+            <a:r>
+              <a:rPr lang="en-US" sz="3200" dirty="0">
+                <a:latin typeface="+mj-lt"/>
+              </a:rPr>
+              <a:t> Dataset</a:t>
+            </a:r>
+          </a:p>
+          <a:p>
+            <a:pPr lvl="1">
+              <a:buFont typeface="Wingdings" panose="05000000000000000000" pitchFamily="2" charset="2"/>
+              <a:buChar char="Ø"/>
+            </a:pPr>
+            <a:r>
+              <a:rPr lang="en-US" sz="2600" dirty="0"/>
+              <a:t> Design experiment to simulate common stress scenario</a:t>
+            </a:r>
+          </a:p>
+          <a:p>
+            <a:pPr lvl="1">
+              <a:buFont typeface="Wingdings" panose="05000000000000000000" pitchFamily="2" charset="2"/>
+              <a:buChar char="Ø"/>
+            </a:pPr>
+            <a:r>
+              <a:rPr lang="en-US" sz="2600" dirty="0"/>
+              <a:t> Annotate recorded data – NOVA, physiological signals</a:t>
+            </a:r>
+          </a:p>
+          <a:p>
+            <a:pPr>
+              <a:buFont typeface="Wingdings" panose="05000000000000000000" pitchFamily="2" charset="2"/>
+              <a:buChar char="v"/>
+            </a:pPr>
+            <a:r>
+              <a:rPr lang="en-US" sz="3200" dirty="0">
+                <a:latin typeface="+mj-lt"/>
+              </a:rPr>
+              <a:t> Machine learning</a:t>
+            </a:r>
+          </a:p>
+          <a:p>
+            <a:pPr lvl="1">
+              <a:buFont typeface="Wingdings" panose="05000000000000000000" pitchFamily="2" charset="2"/>
+              <a:buChar char="Ø"/>
+            </a:pPr>
+            <a:r>
+              <a:rPr lang="en-US" sz="2600" dirty="0"/>
+              <a:t> Neural networks for detecting stress in signals</a:t>
+            </a:r>
+          </a:p>
+          <a:p>
+            <a:pPr lvl="1">
+              <a:buFont typeface="Wingdings" panose="05000000000000000000" pitchFamily="2" charset="2"/>
+              <a:buChar char="Ø"/>
+            </a:pPr>
+            <a:r>
+              <a:rPr lang="en-US" sz="2600" dirty="0"/>
+              <a:t> Explainability</a:t>
+            </a:r>
+          </a:p>
+          <a:p>
+            <a:pPr lvl="1">
+              <a:buFont typeface="Wingdings" panose="05000000000000000000" pitchFamily="2" charset="2"/>
+              <a:buChar char="Ø"/>
+            </a:pPr>
+            <a:r>
+              <a:rPr lang="en-US" sz="2600" dirty="0"/>
+              <a:t> Transfer learning for persons with ASD(A</a:t>
+            </a:r>
+            <a:r>
+              <a:rPr lang="en-US" dirty="0"/>
+              <a:t>utism Spectrum Disorders</a:t>
+            </a:r>
+            <a:r>
+              <a:rPr lang="en-US" sz="2600" dirty="0"/>
+              <a:t>)</a:t>
+            </a:r>
+          </a:p>
+        </p:txBody>
+      </p:sp>
+    </p:spTree>
+    <p:extLst>
+      <p:ext uri="{BB962C8B-B14F-4D97-AF65-F5344CB8AC3E}">
+        <p14:creationId xmlns:p14="http://schemas.microsoft.com/office/powerpoint/2010/main" val="1826048688"/>
       </p:ext>
     </p:extLst>
   </p:cSld>
@@ -4517,4 +5772,299 @@
     </a:ext>
   </a:extLst>
 </a:theme>
+</file>
+
+<file path=ppt/theme/theme2.xml><?xml version="1.0" encoding="utf-8"?>
+<a:theme xmlns:a="http://schemas.openxmlformats.org/drawingml/2006/main" name="Office Theme">
+  <a:themeElements>
+    <a:clrScheme name="Office">
+      <a:dk1>
+        <a:sysClr val="windowText" lastClr="000000"/>
+      </a:dk1>
+      <a:lt1>
+        <a:sysClr val="window" lastClr="FFFFFF"/>
+      </a:lt1>
+      <a:dk2>
+        <a:srgbClr val="44546A"/>
+      </a:dk2>
+      <a:lt2>
+        <a:srgbClr val="E7E6E6"/>
+      </a:lt2>
+      <a:accent1>
+        <a:srgbClr val="4472C4"/>
+      </a:accent1>
+      <a:accent2>
+        <a:srgbClr val="ED7D31"/>
+      </a:accent2>
+      <a:accent3>
+        <a:srgbClr val="A5A5A5"/>
+      </a:accent3>
+      <a:accent4>
+        <a:srgbClr val="FFC000"/>
+      </a:accent4>
+      <a:accent5>
+        <a:srgbClr val="5B9BD5"/>
+      </a:accent5>
+      <a:accent6>
+        <a:srgbClr val="70AD47"/>
+      </a:accent6>
+      <a:hlink>
+        <a:srgbClr val="0563C1"/>
+      </a:hlink>
+      <a:folHlink>
+        <a:srgbClr val="954F72"/>
+      </a:folHlink>
+    </a:clrScheme>
+    <a:fontScheme name="Office">
+      <a:majorFont>
+        <a:latin typeface="Calibri Light" panose="020F0302020204030204"/>
+        <a:ea typeface=""/>
+        <a:cs typeface=""/>
+        <a:font script="Jpan" typeface="游ゴシック Light"/>
+        <a:font script="Hang" typeface="맑은 고딕"/>
+        <a:font script="Hans" typeface="等线 Light"/>
+        <a:font script="Hant" typeface="新細明體"/>
+        <a:font script="Arab" typeface="Times New Roman"/>
+        <a:font script="Hebr" typeface="Times New Roman"/>
+        <a:font script="Thai" typeface="Angsana New"/>
+        <a:font script="Ethi" typeface="Nyala"/>
+        <a:font script="Beng" typeface="Vrinda"/>
+        <a:font script="Gujr" typeface="Shruti"/>
+        <a:font script="Khmr" typeface="MoolBoran"/>
+        <a:font script="Knda" typeface="Tunga"/>
+        <a:font script="Guru" typeface="Raavi"/>
+        <a:font script="Cans" typeface="Euphemia"/>
+        <a:font script="Cher" typeface="Plantagenet Cherokee"/>
+        <a:font script="Yiii" typeface="Microsoft Yi Baiti"/>
+        <a:font script="Tibt" typeface="Microsoft Himalaya"/>
+        <a:font script="Thaa" typeface="MV Boli"/>
+        <a:font script="Deva" typeface="Mangal"/>
+        <a:font script="Telu" typeface="Gautami"/>
+        <a:font script="Taml" typeface="Latha"/>
+        <a:font script="Syrc" typeface="Estrangelo Edessa"/>
+        <a:font script="Orya" typeface="Kalinga"/>
+        <a:font script="Mlym" typeface="Kartika"/>
+        <a:font script="Laoo" typeface="DokChampa"/>
+        <a:font script="Sinh" typeface="Iskoola Pota"/>
+        <a:font script="Mong" typeface="Mongolian Baiti"/>
+        <a:font script="Viet" typeface="Times New Roman"/>
+        <a:font script="Uigh" typeface="Microsoft Uighur"/>
+        <a:font script="Geor" typeface="Sylfaen"/>
+        <a:font script="Armn" typeface="Arial"/>
+        <a:font script="Bugi" typeface="Leelawadee UI"/>
+        <a:font script="Bopo" typeface="Microsoft JhengHei"/>
+        <a:font script="Java" typeface="Javanese Text"/>
+        <a:font script="Lisu" typeface="Segoe UI"/>
+        <a:font script="Mymr" typeface="Myanmar Text"/>
+        <a:font script="Nkoo" typeface="Ebrima"/>
+        <a:font script="Olck" typeface="Nirmala UI"/>
+        <a:font script="Osma" typeface="Ebrima"/>
+        <a:font script="Phag" typeface="Phagspa"/>
+        <a:font script="Syrn" typeface="Estrangelo Edessa"/>
+        <a:font script="Syrj" typeface="Estrangelo Edessa"/>
+        <a:font script="Syre" typeface="Estrangelo Edessa"/>
+        <a:font script="Sora" typeface="Nirmala UI"/>
+        <a:font script="Tale" typeface="Microsoft Tai Le"/>
+        <a:font script="Talu" typeface="Microsoft New Tai Lue"/>
+        <a:font script="Tfng" typeface="Ebrima"/>
+      </a:majorFont>
+      <a:minorFont>
+        <a:latin typeface="Calibri" panose="020F0502020204030204"/>
+        <a:ea typeface=""/>
+        <a:cs typeface=""/>
+        <a:font script="Jpan" typeface="游ゴシック"/>
+        <a:font script="Hang" typeface="맑은 고딕"/>
+        <a:font script="Hans" typeface="等线"/>
+        <a:font script="Hant" typeface="新細明體"/>
+        <a:font script="Arab" typeface="Arial"/>
+        <a:font script="Hebr" typeface="Arial"/>
+        <a:font script="Thai" typeface="Cordia New"/>
+        <a:font script="Ethi" typeface="Nyala"/>
+        <a:font script="Beng" typeface="Vrinda"/>
+        <a:font script="Gujr" typeface="Shruti"/>
+        <a:font script="Khmr" typeface="DaunPenh"/>
+        <a:font script="Knda" typeface="Tunga"/>
+        <a:font script="Guru" typeface="Raavi"/>
+        <a:font script="Cans" typeface="Euphemia"/>
+        <a:font script="Cher" typeface="Plantagenet Cherokee"/>
+        <a:font script="Yiii" typeface="Microsoft Yi Baiti"/>
+        <a:font script="Tibt" typeface="Microsoft Himalaya"/>
+        <a:font script="Thaa" typeface="MV Boli"/>
+        <a:font script="Deva" typeface="Mangal"/>
+        <a:font script="Telu" typeface="Gautami"/>
+        <a:font script="Taml" typeface="Latha"/>
+        <a:font script="Syrc" typeface="Estrangelo Edessa"/>
+        <a:font script="Orya" typeface="Kalinga"/>
+        <a:font script="Mlym" typeface="Kartika"/>
+        <a:font script="Laoo" typeface="DokChampa"/>
+        <a:font script="Sinh" typeface="Iskoola Pota"/>
+        <a:font script="Mong" typeface="Mongolian Baiti"/>
+        <a:font script="Viet" typeface="Arial"/>
+        <a:font script="Uigh" typeface="Microsoft Uighur"/>
+        <a:font script="Geor" typeface="Sylfaen"/>
+        <a:font script="Armn" typeface="Arial"/>
+        <a:font script="Bugi" typeface="Leelawadee UI"/>
+        <a:font script="Bopo" typeface="Microsoft JhengHei"/>
+        <a:font script="Java" typeface="Javanese Text"/>
+        <a:font script="Lisu" typeface="Segoe UI"/>
+        <a:font script="Mymr" typeface="Myanmar Text"/>
+        <a:font script="Nkoo" typeface="Ebrima"/>
+        <a:font script="Olck" typeface="Nirmala UI"/>
+        <a:font script="Osma" typeface="Ebrima"/>
+        <a:font script="Phag" typeface="Phagspa"/>
+        <a:font script="Syrn" typeface="Estrangelo Edessa"/>
+        <a:font script="Syrj" typeface="Estrangelo Edessa"/>
+        <a:font script="Syre" typeface="Estrangelo Edessa"/>
+        <a:font script="Sora" typeface="Nirmala UI"/>
+        <a:font script="Tale" typeface="Microsoft Tai Le"/>
+        <a:font script="Talu" typeface="Microsoft New Tai Lue"/>
+        <a:font script="Tfng" typeface="Ebrima"/>
+      </a:minorFont>
+    </a:fontScheme>
+    <a:fmtScheme name="Office">
+      <a:fillStyleLst>
+        <a:solidFill>
+          <a:schemeClr val="phClr"/>
+        </a:solidFill>
+        <a:gradFill rotWithShape="1">
+          <a:gsLst>
+            <a:gs pos="0">
+              <a:schemeClr val="phClr">
+                <a:lumMod val="110000"/>
+                <a:satMod val="105000"/>
+                <a:tint val="67000"/>
+              </a:schemeClr>
+            </a:gs>
+            <a:gs pos="50000">
+              <a:schemeClr val="phClr">
+                <a:lumMod val="105000"/>
+                <a:satMod val="103000"/>
+                <a:tint val="73000"/>
+              </a:schemeClr>
+            </a:gs>
+            <a:gs pos="100000">
+              <a:schemeClr val="phClr">
+                <a:lumMod val="105000"/>
+                <a:satMod val="109000"/>
+                <a:tint val="81000"/>
+              </a:schemeClr>
+            </a:gs>
+          </a:gsLst>
+          <a:lin ang="5400000" scaled="0"/>
+        </a:gradFill>
+        <a:gradFill rotWithShape="1">
+          <a:gsLst>
+            <a:gs pos="0">
+              <a:schemeClr val="phClr">
+                <a:satMod val="103000"/>
+                <a:lumMod val="102000"/>
+                <a:tint val="94000"/>
+              </a:schemeClr>
+            </a:gs>
+            <a:gs pos="50000">
+              <a:schemeClr val="phClr">
+                <a:satMod val="110000"/>
+                <a:lumMod val="100000"/>
+                <a:shade val="100000"/>
+              </a:schemeClr>
+            </a:gs>
+            <a:gs pos="100000">
+              <a:schemeClr val="phClr">
+                <a:lumMod val="99000"/>
+                <a:satMod val="120000"/>
+                <a:shade val="78000"/>
+              </a:schemeClr>
+            </a:gs>
+          </a:gsLst>
+          <a:lin ang="5400000" scaled="0"/>
+        </a:gradFill>
+      </a:fillStyleLst>
+      <a:lnStyleLst>
+        <a:ln w="6350" cap="flat" cmpd="sng" algn="ctr">
+          <a:solidFill>
+            <a:schemeClr val="phClr"/>
+          </a:solidFill>
+          <a:prstDash val="solid"/>
+          <a:miter lim="800000"/>
+        </a:ln>
+        <a:ln w="12700" cap="flat" cmpd="sng" algn="ctr">
+          <a:solidFill>
+            <a:schemeClr val="phClr"/>
+          </a:solidFill>
+          <a:prstDash val="solid"/>
+          <a:miter lim="800000"/>
+        </a:ln>
+        <a:ln w="19050" cap="flat" cmpd="sng" algn="ctr">
+          <a:solidFill>
+            <a:schemeClr val="phClr"/>
+          </a:solidFill>
+          <a:prstDash val="solid"/>
+          <a:miter lim="800000"/>
+        </a:ln>
+      </a:lnStyleLst>
+      <a:effectStyleLst>
+        <a:effectStyle>
+          <a:effectLst/>
+        </a:effectStyle>
+        <a:effectStyle>
+          <a:effectLst/>
+        </a:effectStyle>
+        <a:effectStyle>
+          <a:effectLst>
+            <a:outerShdw blurRad="57150" dist="19050" dir="5400000" algn="ctr" rotWithShape="0">
+              <a:srgbClr val="000000">
+                <a:alpha val="63000"/>
+              </a:srgbClr>
+            </a:outerShdw>
+          </a:effectLst>
+        </a:effectStyle>
+      </a:effectStyleLst>
+      <a:bgFillStyleLst>
+        <a:solidFill>
+          <a:schemeClr val="phClr"/>
+        </a:solidFill>
+        <a:solidFill>
+          <a:schemeClr val="phClr">
+            <a:tint val="95000"/>
+            <a:satMod val="170000"/>
+          </a:schemeClr>
+        </a:solidFill>
+        <a:gradFill rotWithShape="1">
+          <a:gsLst>
+            <a:gs pos="0">
+              <a:schemeClr val="phClr">
+                <a:tint val="93000"/>
+                <a:satMod val="150000"/>
+                <a:shade val="98000"/>
+                <a:lumMod val="102000"/>
+              </a:schemeClr>
+            </a:gs>
+            <a:gs pos="50000">
+              <a:schemeClr val="phClr">
+                <a:tint val="98000"/>
+                <a:satMod val="130000"/>
+                <a:shade val="90000"/>
+                <a:lumMod val="103000"/>
+              </a:schemeClr>
+            </a:gs>
+            <a:gs pos="100000">
+              <a:schemeClr val="phClr">
+                <a:shade val="63000"/>
+                <a:satMod val="120000"/>
+              </a:schemeClr>
+            </a:gs>
+          </a:gsLst>
+          <a:lin ang="5400000" scaled="0"/>
+        </a:gradFill>
+      </a:bgFillStyleLst>
+    </a:fmtScheme>
+  </a:themeElements>
+  <a:objectDefaults/>
+  <a:extraClrSchemeLst/>
+  <a:extLst>
+    <a:ext uri="{05A4C25C-085E-4340-85A3-A5531E510DB2}">
+      <thm15:themeFamily xmlns:thm15="http://schemas.microsoft.com/office/thememl/2012/main" name="Office Theme" id="{62F939B6-93AF-4DB8-9C6B-D6C7DFDC589F}" vid="{4A3C46E8-61CC-4603-A589-7422A47A8E4A}"/>
+    </a:ext>
+  </a:extLst>
+</a:theme>
 </file>
--- a/Kick-off.pptx
+++ b/Kick-off.pptx
@@ -5265,6 +5265,21 @@
               </a:rPr>
               <a:t>Blood pressure</a:t>
             </a:r>
+          </a:p>
+          <a:p>
+            <a:pPr lvl="2">
+              <a:buFont typeface="Wingdings" panose="05000000000000000000" pitchFamily="2" charset="2"/>
+              <a:buChar char="§"/>
+            </a:pPr>
+            <a:r>
+              <a:rPr lang="en-US" sz="2200">
+                <a:latin typeface="+mj-lt"/>
+              </a:rPr>
+              <a:t>Temperature</a:t>
+            </a:r>
+            <a:endParaRPr lang="en-US" sz="2200" dirty="0">
+              <a:latin typeface="+mj-lt"/>
+            </a:endParaRPr>
           </a:p>
         </p:txBody>
       </p:sp>

--- a/Kick-off.pptx
+++ b/Kick-off.pptx
@@ -204,7 +204,7 @@
           <a:p>
             <a:fld id="{DACB9D27-1C66-4FD0-9437-90DE40B98993}" type="datetimeFigureOut">
               <a:rPr lang="en-US" smtClean="0"/>
-              <a:t>2020-01-13</a:t>
+              <a:t>1/17/2020</a:t>
             </a:fld>
             <a:endParaRPr lang="en-US"/>
           </a:p>
@@ -702,7 +702,7 @@
           <a:p>
             <a:fld id="{BE6D9612-3471-AB4D-8B87-F4604D7407B4}" type="datetimeFigureOut">
               <a:rPr lang="en-US"/>
-              <a:t>2020-01-13</a:t>
+              <a:t>1/17/2020</a:t>
             </a:fld>
             <a:endParaRPr lang="en-US"/>
           </a:p>
@@ -900,7 +900,7 @@
           <a:p>
             <a:fld id="{BE6D9612-3471-AB4D-8B87-F4604D7407B4}" type="datetimeFigureOut">
               <a:rPr lang="en-US"/>
-              <a:t>2020-01-13</a:t>
+              <a:t>1/17/2020</a:t>
             </a:fld>
             <a:endParaRPr lang="en-US"/>
           </a:p>
@@ -1108,7 +1108,7 @@
           <a:p>
             <a:fld id="{BE6D9612-3471-AB4D-8B87-F4604D7407B4}" type="datetimeFigureOut">
               <a:rPr lang="en-US"/>
-              <a:t>2020-01-13</a:t>
+              <a:t>1/17/2020</a:t>
             </a:fld>
             <a:endParaRPr lang="en-US"/>
           </a:p>
@@ -1306,7 +1306,7 @@
           <a:p>
             <a:fld id="{BE6D9612-3471-AB4D-8B87-F4604D7407B4}" type="datetimeFigureOut">
               <a:rPr lang="en-US"/>
-              <a:t>2020-01-13</a:t>
+              <a:t>1/17/2020</a:t>
             </a:fld>
             <a:endParaRPr lang="en-US"/>
           </a:p>
@@ -1581,7 +1581,7 @@
           <a:p>
             <a:fld id="{BE6D9612-3471-AB4D-8B87-F4604D7407B4}" type="datetimeFigureOut">
               <a:rPr lang="en-US"/>
-              <a:t>2020-01-13</a:t>
+              <a:t>1/17/2020</a:t>
             </a:fld>
             <a:endParaRPr lang="en-US"/>
           </a:p>
@@ -1846,7 +1846,7 @@
           <a:p>
             <a:fld id="{BE6D9612-3471-AB4D-8B87-F4604D7407B4}" type="datetimeFigureOut">
               <a:rPr lang="en-US"/>
-              <a:t>2020-01-13</a:t>
+              <a:t>1/17/2020</a:t>
             </a:fld>
             <a:endParaRPr lang="en-US"/>
           </a:p>
@@ -2258,7 +2258,7 @@
           <a:p>
             <a:fld id="{BE6D9612-3471-AB4D-8B87-F4604D7407B4}" type="datetimeFigureOut">
               <a:rPr lang="en-US"/>
-              <a:t>2020-01-13</a:t>
+              <a:t>1/17/2020</a:t>
             </a:fld>
             <a:endParaRPr lang="en-US"/>
           </a:p>
@@ -2399,7 +2399,7 @@
           <a:p>
             <a:fld id="{BE6D9612-3471-AB4D-8B87-F4604D7407B4}" type="datetimeFigureOut">
               <a:rPr lang="en-US"/>
-              <a:t>2020-01-13</a:t>
+              <a:t>1/17/2020</a:t>
             </a:fld>
             <a:endParaRPr lang="en-US"/>
           </a:p>
@@ -2512,7 +2512,7 @@
           <a:p>
             <a:fld id="{BE6D9612-3471-AB4D-8B87-F4604D7407B4}" type="datetimeFigureOut">
               <a:rPr lang="en-US"/>
-              <a:t>2020-01-13</a:t>
+              <a:t>1/17/2020</a:t>
             </a:fld>
             <a:endParaRPr lang="en-US"/>
           </a:p>
@@ -2823,7 +2823,7 @@
           <a:p>
             <a:fld id="{BE6D9612-3471-AB4D-8B87-F4604D7407B4}" type="datetimeFigureOut">
               <a:rPr lang="en-US"/>
-              <a:t>2020-01-13</a:t>
+              <a:t>1/17/2020</a:t>
             </a:fld>
             <a:endParaRPr lang="en-US"/>
           </a:p>
@@ -3111,7 +3111,7 @@
           <a:p>
             <a:fld id="{BE6D9612-3471-AB4D-8B87-F4604D7407B4}" type="datetimeFigureOut">
               <a:rPr lang="en-US"/>
-              <a:t>2020-01-13</a:t>
+              <a:t>1/17/2020</a:t>
             </a:fld>
             <a:endParaRPr lang="en-US"/>
           </a:p>
@@ -3352,7 +3352,7 @@
           <a:p>
             <a:fld id="{BE6D9612-3471-AB4D-8B87-F4604D7407B4}" type="datetimeFigureOut">
               <a:rPr lang="en-US"/>
-              <a:t>2020-01-13</a:t>
+              <a:t>1/17/2020</a:t>
             </a:fld>
             <a:endParaRPr lang="en-US"/>
           </a:p>
@@ -5272,14 +5272,11 @@
               <a:buChar char="§"/>
             </a:pPr>
             <a:r>
-              <a:rPr lang="en-US" sz="2200">
+              <a:rPr lang="en-US" sz="2200" dirty="0">
                 <a:latin typeface="+mj-lt"/>
               </a:rPr>
-              <a:t>Temperature</a:t>
-            </a:r>
-            <a:endParaRPr lang="en-US" sz="2200" dirty="0">
-              <a:latin typeface="+mj-lt"/>
-            </a:endParaRPr>
+              <a:t>Skin temperature</a:t>
+            </a:r>
           </a:p>
         </p:txBody>
       </p:sp>
